--- a/Slides.pptx
+++ b/Slides.pptx
@@ -8941,7 +8941,7 @@
         </p:nvSpPr>
         <p:spPr>
           <a:xfrm>
-            <a:off x="1142579" y="438834"/>
+            <a:off x="1142579" y="671899"/>
             <a:ext cx="4047066" cy="646331"/>
           </a:xfrm>
           <a:prstGeom prst="rect">
@@ -8979,8 +8979,8 @@
         </p:nvSpPr>
         <p:spPr>
           <a:xfrm>
-            <a:off x="1142579" y="1434724"/>
-            <a:ext cx="5880100" cy="4661276"/>
+            <a:off x="1142579" y="1663324"/>
+            <a:ext cx="5880100" cy="4199611"/>
           </a:xfrm>
           <a:prstGeom prst="rect">
             <a:avLst/>
@@ -9006,6 +9006,66 @@
             </a:r>
           </a:p>
           <a:p>
+            <a:pPr>
+              <a:lnSpc>
+                <a:spcPct val="150000"/>
+              </a:lnSpc>
+            </a:pPr>
+            <a:endParaRPr lang="en-GB" sz="2000" dirty="0"/>
+          </a:p>
+          <a:p>
+            <a:pPr marL="342900" indent="-342900">
+              <a:lnSpc>
+                <a:spcPct val="150000"/>
+              </a:lnSpc>
+              <a:buFont typeface="Arial" panose="020B0604020202020204" pitchFamily="34" charset="0"/>
+              <a:buChar char="•"/>
+            </a:pPr>
+            <a:r>
+              <a:rPr lang="en-GB" sz="2000" dirty="0"/>
+              <a:t>Decentralized system</a:t>
+            </a:r>
+          </a:p>
+          <a:p>
+            <a:pPr marL="800100" lvl="1" indent="-342900">
+              <a:lnSpc>
+                <a:spcPct val="150000"/>
+              </a:lnSpc>
+              <a:buFont typeface="Arial" panose="020B0604020202020204" pitchFamily="34" charset="0"/>
+              <a:buChar char="•"/>
+            </a:pPr>
+            <a:r>
+              <a:rPr lang="en-GB" sz="2000" dirty="0"/>
+              <a:t>Option to set up new database</a:t>
+            </a:r>
+          </a:p>
+          <a:p>
+            <a:pPr marL="800100" lvl="1" indent="-342900">
+              <a:lnSpc>
+                <a:spcPct val="150000"/>
+              </a:lnSpc>
+              <a:buFont typeface="Arial" panose="020B0604020202020204" pitchFamily="34" charset="0"/>
+              <a:buChar char="•"/>
+            </a:pPr>
+            <a:r>
+              <a:rPr lang="en-GB" sz="2000" dirty="0"/>
+              <a:t>Automatic assignment of carriers in database</a:t>
+            </a:r>
+          </a:p>
+          <a:p>
+            <a:pPr marL="800100" lvl="1" indent="-342900">
+              <a:lnSpc>
+                <a:spcPct val="150000"/>
+              </a:lnSpc>
+              <a:buFont typeface="Arial" panose="020B0604020202020204" pitchFamily="34" charset="0"/>
+              <a:buChar char="•"/>
+            </a:pPr>
+            <a:r>
+              <a:rPr lang="en-GB" sz="2000" dirty="0"/>
+              <a:t>Multiple auctioneers</a:t>
+            </a:r>
+          </a:p>
+          <a:p>
             <a:pPr marL="342900" indent="-342900">
               <a:lnSpc>
                 <a:spcPct val="150000"/>
@@ -9025,89 +9085,7 @@
             </a:pPr>
             <a:r>
               <a:rPr lang="en-GB" sz="2000" dirty="0"/>
-              <a:t>Auctioneer can control number of bidders</a:t>
-            </a:r>
-            <a:br>
-              <a:rPr lang="en-GB" sz="2000" dirty="0"/>
-            </a:br>
-            <a:r>
-              <a:rPr lang="en-GB" sz="2000" b="1" u="sng" dirty="0"/>
-              <a:t>OR</a:t>
-            </a:r>
-          </a:p>
-          <a:p>
-            <a:pPr marL="342900" indent="-342900">
-              <a:lnSpc>
-                <a:spcPct val="150000"/>
-              </a:lnSpc>
-              <a:buFont typeface="Arial" panose="020B0604020202020204" pitchFamily="34" charset="0"/>
-              <a:buChar char="•"/>
-            </a:pPr>
-            <a:r>
-              <a:rPr lang="en-GB" sz="2000" dirty="0"/>
-              <a:t>Carriers can decide whether to join auction process</a:t>
-            </a:r>
-          </a:p>
-          <a:p>
-            <a:pPr marL="342900" indent="-342900">
-              <a:lnSpc>
-                <a:spcPct val="150000"/>
-              </a:lnSpc>
-              <a:buFont typeface="Arial" panose="020B0604020202020204" pitchFamily="34" charset="0"/>
-              <a:buChar char="•"/>
-            </a:pPr>
-            <a:endParaRPr lang="en-GB" sz="2000" dirty="0"/>
-          </a:p>
-          <a:p>
-            <a:pPr marL="342900" indent="-342900">
-              <a:lnSpc>
-                <a:spcPct val="150000"/>
-              </a:lnSpc>
-              <a:buFont typeface="Arial" panose="020B0604020202020204" pitchFamily="34" charset="0"/>
-              <a:buChar char="•"/>
-            </a:pPr>
-            <a:r>
-              <a:rPr lang="en-GB" sz="2000" dirty="0"/>
-              <a:t>Decentralized system</a:t>
-            </a:r>
-          </a:p>
-          <a:p>
-            <a:pPr marL="800100" lvl="1" indent="-342900">
-              <a:lnSpc>
-                <a:spcPct val="150000"/>
-              </a:lnSpc>
-              <a:buFont typeface="Arial" panose="020B0604020202020204" pitchFamily="34" charset="0"/>
-              <a:buChar char="•"/>
-            </a:pPr>
-            <a:r>
-              <a:rPr lang="en-GB" sz="2000" dirty="0"/>
-              <a:t>Option to set up new database</a:t>
-            </a:r>
-          </a:p>
-          <a:p>
-            <a:pPr marL="800100" lvl="1" indent="-342900">
-              <a:lnSpc>
-                <a:spcPct val="150000"/>
-              </a:lnSpc>
-              <a:buFont typeface="Arial" panose="020B0604020202020204" pitchFamily="34" charset="0"/>
-              <a:buChar char="•"/>
-            </a:pPr>
-            <a:r>
-              <a:rPr lang="en-GB" sz="2000" dirty="0"/>
-              <a:t>Automatic assignment of carriers in database</a:t>
-            </a:r>
-          </a:p>
-          <a:p>
-            <a:pPr marL="800100" lvl="1" indent="-342900">
-              <a:lnSpc>
-                <a:spcPct val="150000"/>
-              </a:lnSpc>
-              <a:buFont typeface="Arial" panose="020B0604020202020204" pitchFamily="34" charset="0"/>
-              <a:buChar char="•"/>
-            </a:pPr>
-            <a:r>
-              <a:rPr lang="en-GB" sz="2000" dirty="0"/>
-              <a:t>Multiple auctioneers</a:t>
+              <a:t>Improve performance of auction process and bundle strategies</a:t>
             </a:r>
           </a:p>
         </p:txBody>
